--- a/实验-4-非参数分析.pptx
+++ b/实验-4-非参数分析.pptx
@@ -372,7 +372,7 @@
           <a:p>
             <a:fld id="{22B5609F-EBEC-463B-AA32-A5BE38243DB0}" type="datetimeFigureOut">
               <a:rPr lang="zh-CN" altLang="en-US" smtClean="0"/>
-              <a:t>2017/10/12</a:t>
+              <a:t>2017/10/22</a:t>
             </a:fld>
             <a:endParaRPr lang="zh-CN" altLang="en-US"/>
           </a:p>
@@ -580,7 +580,7 @@
           <a:p>
             <a:fld id="{22B5609F-EBEC-463B-AA32-A5BE38243DB0}" type="datetimeFigureOut">
               <a:rPr lang="zh-CN" altLang="en-US" smtClean="0"/>
-              <a:t>2017/10/12</a:t>
+              <a:t>2017/10/22</a:t>
             </a:fld>
             <a:endParaRPr lang="zh-CN" altLang="en-US"/>
           </a:p>
@@ -836,7 +836,7 @@
           <a:p>
             <a:fld id="{22B5609F-EBEC-463B-AA32-A5BE38243DB0}" type="datetimeFigureOut">
               <a:rPr lang="zh-CN" altLang="en-US" smtClean="0"/>
-              <a:t>2017/10/12</a:t>
+              <a:t>2017/10/22</a:t>
             </a:fld>
             <a:endParaRPr lang="zh-CN" altLang="en-US"/>
           </a:p>
@@ -1035,7 +1035,7 @@
           <a:p>
             <a:fld id="{22B5609F-EBEC-463B-AA32-A5BE38243DB0}" type="datetimeFigureOut">
               <a:rPr lang="zh-CN" altLang="en-US" smtClean="0"/>
-              <a:t>2017/10/12</a:t>
+              <a:t>2017/10/22</a:t>
             </a:fld>
             <a:endParaRPr lang="zh-CN" altLang="en-US"/>
           </a:p>
@@ -1377,7 +1377,7 @@
           <a:p>
             <a:fld id="{22B5609F-EBEC-463B-AA32-A5BE38243DB0}" type="datetimeFigureOut">
               <a:rPr lang="zh-CN" altLang="en-US" smtClean="0"/>
-              <a:t>2017/10/12</a:t>
+              <a:t>2017/10/22</a:t>
             </a:fld>
             <a:endParaRPr lang="zh-CN" altLang="en-US"/>
           </a:p>
@@ -1652,7 +1652,7 @@
           <a:p>
             <a:fld id="{22B5609F-EBEC-463B-AA32-A5BE38243DB0}" type="datetimeFigureOut">
               <a:rPr lang="zh-CN" altLang="en-US" smtClean="0"/>
-              <a:t>2017/10/12</a:t>
+              <a:t>2017/10/22</a:t>
             </a:fld>
             <a:endParaRPr lang="zh-CN" altLang="en-US"/>
           </a:p>
@@ -2031,7 +2031,7 @@
           <a:p>
             <a:fld id="{22B5609F-EBEC-463B-AA32-A5BE38243DB0}" type="datetimeFigureOut">
               <a:rPr lang="zh-CN" altLang="en-US" smtClean="0"/>
-              <a:t>2017/10/12</a:t>
+              <a:t>2017/10/22</a:t>
             </a:fld>
             <a:endParaRPr lang="zh-CN" altLang="en-US"/>
           </a:p>
@@ -2149,7 +2149,7 @@
           <a:p>
             <a:fld id="{22B5609F-EBEC-463B-AA32-A5BE38243DB0}" type="datetimeFigureOut">
               <a:rPr lang="zh-CN" altLang="en-US" smtClean="0"/>
-              <a:t>2017/10/12</a:t>
+              <a:t>2017/10/22</a:t>
             </a:fld>
             <a:endParaRPr lang="zh-CN" altLang="en-US"/>
           </a:p>
@@ -2320,7 +2320,7 @@
           <a:p>
             <a:fld id="{22B5609F-EBEC-463B-AA32-A5BE38243DB0}" type="datetimeFigureOut">
               <a:rPr lang="zh-CN" altLang="en-US" smtClean="0"/>
-              <a:t>2017/10/12</a:t>
+              <a:t>2017/10/22</a:t>
             </a:fld>
             <a:endParaRPr lang="zh-CN" altLang="en-US"/>
           </a:p>
@@ -2674,7 +2674,7 @@
           <a:p>
             <a:fld id="{22B5609F-EBEC-463B-AA32-A5BE38243DB0}" type="datetimeFigureOut">
               <a:rPr lang="zh-CN" altLang="en-US" smtClean="0"/>
-              <a:t>2017/10/12</a:t>
+              <a:t>2017/10/22</a:t>
             </a:fld>
             <a:endParaRPr lang="zh-CN" altLang="en-US"/>
           </a:p>
@@ -3056,7 +3056,7 @@
           <a:p>
             <a:fld id="{22B5609F-EBEC-463B-AA32-A5BE38243DB0}" type="datetimeFigureOut">
               <a:rPr lang="zh-CN" altLang="en-US" smtClean="0"/>
-              <a:t>2017/10/12</a:t>
+              <a:t>2017/10/22</a:t>
             </a:fld>
             <a:endParaRPr lang="zh-CN" altLang="en-US"/>
           </a:p>
@@ -3343,7 +3343,7 @@
           <a:p>
             <a:fld id="{22B5609F-EBEC-463B-AA32-A5BE38243DB0}" type="datetimeFigureOut">
               <a:rPr lang="zh-CN" altLang="en-US" smtClean="0"/>
-              <a:t>2017/10/12</a:t>
+              <a:t>2017/10/22</a:t>
             </a:fld>
             <a:endParaRPr lang="zh-CN" altLang="en-US"/>
           </a:p>
@@ -3899,7 +3899,11 @@
             </a:r>
             <a:r>
               <a:rPr lang="zh-CN" altLang="en-US" sz="6600" dirty="0" smtClean="0"/>
-              <a:t>非参检验与可视化技术</a:t>
+              <a:t>非参</a:t>
+            </a:r>
+            <a:r>
+              <a:rPr lang="zh-CN" altLang="en-US" sz="6600" dirty="0" smtClean="0"/>
+              <a:t>检验</a:t>
             </a:r>
             <a:endParaRPr lang="zh-CN" altLang="en-US" sz="6600" dirty="0"/>
           </a:p>
@@ -4901,7 +4905,7 @@
           <a:graphicData uri="http://schemas.openxmlformats.org/presentationml/2006/ole">
             <mc:AlternateContent xmlns:mc="http://schemas.openxmlformats.org/markup-compatibility/2006">
               <mc:Choice xmlns:v="urn:schemas-microsoft-com:vml" Requires="v">
-                <p:oleObj spid="_x0000_s2132" name="Equation" r:id="rId3" imgW="1409400" imgH="228600" progId="Equation.DSMT4">
+                <p:oleObj spid="_x0000_s2135" name="Equation" r:id="rId3" imgW="1409400" imgH="228600" progId="Equation.DSMT4">
                   <p:embed/>
                 </p:oleObj>
               </mc:Choice>
@@ -4958,7 +4962,7 @@
           <a:graphicData uri="http://schemas.openxmlformats.org/presentationml/2006/ole">
             <mc:AlternateContent xmlns:mc="http://schemas.openxmlformats.org/markup-compatibility/2006">
               <mc:Choice xmlns:v="urn:schemas-microsoft-com:vml" Requires="v">
-                <p:oleObj spid="_x0000_s2133" name="Equation" r:id="rId5" imgW="380880" imgH="203040" progId="Equation.DSMT4">
+                <p:oleObj spid="_x0000_s2136" name="Equation" r:id="rId5" imgW="380880" imgH="203040" progId="Equation.DSMT4">
                   <p:embed/>
                 </p:oleObj>
               </mc:Choice>
@@ -5111,7 +5115,7 @@
           <a:graphicData uri="http://schemas.openxmlformats.org/presentationml/2006/ole">
             <mc:AlternateContent xmlns:mc="http://schemas.openxmlformats.org/markup-compatibility/2006">
               <mc:Choice xmlns:v="urn:schemas-microsoft-com:vml" Requires="v">
-                <p:oleObj spid="_x0000_s2134" name="Equation" r:id="rId7" imgW="1422360" imgH="228600" progId="Equation.DSMT4">
+                <p:oleObj spid="_x0000_s2137" name="Equation" r:id="rId7" imgW="1422360" imgH="228600" progId="Equation.DSMT4">
                   <p:embed/>
                 </p:oleObj>
               </mc:Choice>
@@ -8811,14 +8815,14 @@
           <a:effectLst/>
           <a:extLst>
             <a:ext uri="{909E8E84-426E-40dd-AFC4-6F175D3DCCD1}">
-              <a14:hiddenFill xmlns:lc="http://schemas.openxmlformats.org/drawingml/2006/lockedCanvas" xmlns:a14="http://schemas.microsoft.com/office/drawing/2010/main" xmlns="">
+              <a14:hiddenFill xmlns="" xmlns:a14="http://schemas.microsoft.com/office/drawing/2010/main" xmlns:lc="http://schemas.openxmlformats.org/drawingml/2006/lockedCanvas">
                 <a:solidFill>
                   <a:schemeClr val="accent1"/>
                 </a:solidFill>
               </a14:hiddenFill>
             </a:ext>
             <a:ext uri="{AF507438-7753-43e0-B8FC-AC1667EBCBE1}">
-              <a14:hiddenEffects xmlns:lc="http://schemas.openxmlformats.org/drawingml/2006/lockedCanvas" xmlns:a14="http://schemas.microsoft.com/office/drawing/2010/main" xmlns="">
+              <a14:hiddenEffects xmlns="" xmlns:a14="http://schemas.microsoft.com/office/drawing/2010/main" xmlns:lc="http://schemas.openxmlformats.org/drawingml/2006/lockedCanvas">
                 <a:effectLst>
                   <a:outerShdw blurRad="63500" dist="12700" dir="2700000" algn="ctr" rotWithShape="0">
                     <a:schemeClr val="hlink">
@@ -9567,14 +9571,14 @@
           <a:effectLst/>
           <a:extLst>
             <a:ext uri="{909E8E84-426E-40dd-AFC4-6F175D3DCCD1}">
-              <a14:hiddenFill xmlns:lc="http://schemas.openxmlformats.org/drawingml/2006/lockedCanvas" xmlns:a14="http://schemas.microsoft.com/office/drawing/2010/main" xmlns="">
+              <a14:hiddenFill xmlns="" xmlns:a14="http://schemas.microsoft.com/office/drawing/2010/main" xmlns:lc="http://schemas.openxmlformats.org/drawingml/2006/lockedCanvas">
                 <a:solidFill>
                   <a:schemeClr val="accent1"/>
                 </a:solidFill>
               </a14:hiddenFill>
             </a:ext>
             <a:ext uri="{AF507438-7753-43e0-B8FC-AC1667EBCBE1}">
-              <a14:hiddenEffects xmlns:lc="http://schemas.openxmlformats.org/drawingml/2006/lockedCanvas" xmlns:a14="http://schemas.microsoft.com/office/drawing/2010/main" xmlns="">
+              <a14:hiddenEffects xmlns="" xmlns:a14="http://schemas.microsoft.com/office/drawing/2010/main" xmlns:lc="http://schemas.openxmlformats.org/drawingml/2006/lockedCanvas">
                 <a:effectLst>
                   <a:outerShdw blurRad="63500" dist="12700" dir="2700000" algn="ctr" rotWithShape="0">
                     <a:schemeClr val="hlink">
@@ -10979,7 +10983,6 @@
               <a:rPr lang="en-US" altLang="zh-CN" dirty="0" smtClean="0"/>
               <a:t>()</a:t>
             </a:r>
-            <a:endParaRPr lang="en-US" altLang="zh-CN" dirty="0" smtClean="0"/>
           </a:p>
           <a:p>
             <a:r>
@@ -10999,32 +11002,22 @@
           <a:p>
             <a:r>
               <a:rPr lang="zh-CN" altLang="en-US" dirty="0" smtClean="0"/>
-              <a:t>饼</a:t>
-            </a:r>
-            <a:r>
-              <a:rPr lang="zh-CN" altLang="en-US" dirty="0" smtClean="0"/>
-              <a:t>图 </a:t>
+              <a:t>饼图 </a:t>
             </a:r>
             <a:r>
               <a:rPr lang="en-US" altLang="zh-CN" dirty="0" smtClean="0"/>
               <a:t>pie()</a:t>
             </a:r>
-            <a:endParaRPr lang="en-US" altLang="zh-CN" dirty="0" smtClean="0"/>
-          </a:p>
-          <a:p>
-            <a:r>
-              <a:rPr lang="zh-CN" altLang="en-US" dirty="0" smtClean="0"/>
-              <a:t>箱型</a:t>
-            </a:r>
-            <a:r>
-              <a:rPr lang="zh-CN" altLang="en-US" dirty="0" smtClean="0"/>
-              <a:t>图   </a:t>
+          </a:p>
+          <a:p>
+            <a:r>
+              <a:rPr lang="zh-CN" altLang="en-US" dirty="0" smtClean="0"/>
+              <a:t>箱型图   </a:t>
             </a:r>
             <a:r>
               <a:rPr lang="en-US" altLang="zh-CN" dirty="0" smtClean="0"/>
               <a:t>boxplot()</a:t>
             </a:r>
-            <a:endParaRPr lang="en-US" altLang="zh-CN" dirty="0" smtClean="0"/>
           </a:p>
         </p:txBody>
       </p:sp>
@@ -11402,11 +11395,7 @@
             <a:pPr lvl="1"/>
             <a:r>
               <a:rPr lang="en-US" altLang="zh-CN" dirty="0" smtClean="0"/>
-              <a:t>“s” or “S” for stair </a:t>
-            </a:r>
-            <a:r>
-              <a:rPr lang="en-US" altLang="zh-CN" dirty="0" smtClean="0"/>
-              <a:t>steps</a:t>
+              <a:t>“s” or “S” for stair steps</a:t>
             </a:r>
           </a:p>
           <a:p>
@@ -11783,14 +11772,14 @@
           <a:effectLst/>
           <a:extLst>
             <a:ext uri="{909E8E84-426E-40dd-AFC4-6F175D3DCCD1}">
-              <a14:hiddenFill xmlns="" xmlns:a14="http://schemas.microsoft.com/office/drawing/2010/main" xmlns:lc="http://schemas.openxmlformats.org/drawingml/2006/lockedCanvas">
+              <a14:hiddenFill xmlns:lc="http://schemas.openxmlformats.org/drawingml/2006/lockedCanvas" xmlns:a14="http://schemas.microsoft.com/office/drawing/2010/main" xmlns="">
                 <a:solidFill>
                   <a:schemeClr val="accent1"/>
                 </a:solidFill>
               </a14:hiddenFill>
             </a:ext>
             <a:ext uri="{AF507438-7753-43e0-B8FC-AC1667EBCBE1}">
-              <a14:hiddenEffects xmlns="" xmlns:a14="http://schemas.microsoft.com/office/drawing/2010/main" xmlns:lc="http://schemas.openxmlformats.org/drawingml/2006/lockedCanvas">
+              <a14:hiddenEffects xmlns:lc="http://schemas.openxmlformats.org/drawingml/2006/lockedCanvas" xmlns:a14="http://schemas.microsoft.com/office/drawing/2010/main" xmlns="">
                 <a:effectLst>
                   <a:outerShdw blurRad="63500" dist="12700" dir="2700000" algn="ctr" rotWithShape="0">
                     <a:schemeClr val="hlink">
